--- a/day1/lecture1_optimization_spa.pptx
+++ b/day1/lecture1_optimization_spa.pptx
@@ -225,7 +225,7 @@
           <a:p>
             <a:fld id="{9EC8F33C-A7AA-43A7-BCA9-F081EA0B4664}" type="datetimeFigureOut">
               <a:rPr lang="en-US" smtClean="0"/>
-              <a:t>1/6/2022</a:t>
+              <a:t>1/7/2022</a:t>
             </a:fld>
             <a:endParaRPr lang="en-US"/>
           </a:p>
@@ -574,7 +574,7 @@
           </a:ln>
           <a:extLst>
             <a:ext uri="{909E8E84-426E-40dd-AFC4-6F175D3DCCD1}">
-              <a14:hiddenFill xmlns:a14="http://schemas.microsoft.com/office/drawing/2010/main" xmlns="">
+              <a14:hiddenFill xmlns="" xmlns:a14="http://schemas.microsoft.com/office/drawing/2010/main">
                 <a:solidFill>
                   <a:srgbClr val="FFFFFF"/>
                 </a:solidFill>
@@ -617,7 +617,7 @@
           </a:ln>
           <a:extLst>
             <a:ext uri="{909E8E84-426E-40dd-AFC4-6F175D3DCCD1}">
-              <a14:hiddenFill xmlns:a14="http://schemas.microsoft.com/office/drawing/2010/main" xmlns="">
+              <a14:hiddenFill xmlns="" xmlns:a14="http://schemas.microsoft.com/office/drawing/2010/main">
                 <a:noFill/>
               </a14:hiddenFill>
             </a:ext>
@@ -716,7 +716,7 @@
           <a:p>
             <a:fld id="{9A356AEA-056F-417E-9B38-4BA8743FE6C4}" type="datetime1">
               <a:rPr lang="en-US" smtClean="0"/>
-              <a:t>1/6/2022</a:t>
+              <a:t>1/7/2022</a:t>
             </a:fld>
             <a:endParaRPr lang="en-US"/>
           </a:p>
@@ -903,7 +903,7 @@
           <a:p>
             <a:fld id="{09867F7C-1948-4907-9EBC-DD38682B5188}" type="datetime1">
               <a:rPr lang="en-US" smtClean="0"/>
-              <a:t>1/6/2022</a:t>
+              <a:t>1/7/2022</a:t>
             </a:fld>
             <a:endParaRPr lang="en-US"/>
           </a:p>
@@ -1099,7 +1099,7 @@
           <a:p>
             <a:fld id="{A5996870-3492-4879-A20C-50CF7F25E309}" type="datetime1">
               <a:rPr lang="en-US" smtClean="0"/>
-              <a:t>1/6/2022</a:t>
+              <a:t>1/7/2022</a:t>
             </a:fld>
             <a:endParaRPr lang="en-US"/>
           </a:p>
@@ -1351,7 +1351,7 @@
           <a:p>
             <a:fld id="{3339509F-2835-4D20-8448-C5CCD453FC4A}" type="datetime1">
               <a:rPr lang="en-US" smtClean="0"/>
-              <a:t>1/6/2022</a:t>
+              <a:t>1/7/2022</a:t>
             </a:fld>
             <a:endParaRPr lang="en-US"/>
           </a:p>
@@ -1575,7 +1575,7 @@
           <a:p>
             <a:fld id="{7A6EDDDE-DBE4-4114-B865-EC3A2920782E}" type="datetime1">
               <a:rPr lang="en-US" smtClean="0"/>
-              <a:t>1/6/2022</a:t>
+              <a:t>1/7/2022</a:t>
             </a:fld>
             <a:endParaRPr lang="en-US"/>
           </a:p>
@@ -1883,7 +1883,7 @@
           <a:p>
             <a:fld id="{8DA96907-43AE-4B1E-B5FF-6853ADDA5697}" type="datetime1">
               <a:rPr lang="en-US" smtClean="0"/>
-              <a:t>1/6/2022</a:t>
+              <a:t>1/7/2022</a:t>
             </a:fld>
             <a:endParaRPr lang="en-US"/>
           </a:p>
@@ -2051,7 +2051,7 @@
           <a:p>
             <a:fld id="{2E65DF97-DE0F-4515-8F8D-0E1C627BC4E9}" type="datetime1">
               <a:rPr lang="en-US" smtClean="0"/>
-              <a:t>1/6/2022</a:t>
+              <a:t>1/7/2022</a:t>
             </a:fld>
             <a:endParaRPr lang="en-US"/>
           </a:p>
@@ -2363,7 +2363,7 @@
           <a:p>
             <a:fld id="{23B9FD00-80D5-4EA7-B536-8F4F2C3959C9}" type="datetime1">
               <a:rPr lang="en-US" smtClean="0"/>
-              <a:t>1/6/2022</a:t>
+              <a:t>1/7/2022</a:t>
             </a:fld>
             <a:endParaRPr lang="en-US"/>
           </a:p>
@@ -2675,7 +2675,7 @@
           <a:p>
             <a:fld id="{DAC77084-4DB4-4A23-9870-BF49183ACB4C}" type="datetime1">
               <a:rPr lang="en-US" smtClean="0"/>
-              <a:t>1/6/2022</a:t>
+              <a:t>1/7/2022</a:t>
             </a:fld>
             <a:endParaRPr lang="en-US"/>
           </a:p>
@@ -2861,7 +2861,7 @@
           <a:p>
             <a:fld id="{6E487ECE-0D8C-4AFB-BD35-997F06E0971C}" type="datetime1">
               <a:rPr lang="en-US" smtClean="0"/>
-              <a:t>1/6/2022</a:t>
+              <a:t>1/7/2022</a:t>
             </a:fld>
             <a:endParaRPr lang="en-US"/>
           </a:p>
@@ -3070,7 +3070,7 @@
           <a:p>
             <a:fld id="{D4F6DC8D-78A1-49CC-B033-F77D87B04958}" type="datetime1">
               <a:rPr lang="en-US" smtClean="0"/>
-              <a:t>1/6/2022</a:t>
+              <a:t>1/7/2022</a:t>
             </a:fld>
             <a:endParaRPr lang="en-US"/>
           </a:p>
@@ -3373,7 +3373,7 @@
           <a:p>
             <a:fld id="{3BCF4A7C-A413-48DA-9211-5240CAEE1DD4}" type="datetime1">
               <a:rPr lang="en-US" smtClean="0"/>
-              <a:t>1/6/2022</a:t>
+              <a:t>1/7/2022</a:t>
             </a:fld>
             <a:endParaRPr lang="en-US"/>
           </a:p>
@@ -3815,7 +3815,7 @@
           <a:p>
             <a:fld id="{AAE887C4-8D00-4515-BD6B-6D6B646F02F7}" type="datetime1">
               <a:rPr lang="en-US" smtClean="0"/>
-              <a:t>1/6/2022</a:t>
+              <a:t>1/7/2022</a:t>
             </a:fld>
             <a:endParaRPr lang="en-US"/>
           </a:p>
@@ -3950,7 +3950,7 @@
           <a:p>
             <a:fld id="{10C13C5A-776A-4D2B-A91E-2ACB7D90E7CC}" type="datetime1">
               <a:rPr lang="en-US" smtClean="0"/>
-              <a:t>1/6/2022</a:t>
+              <a:t>1/7/2022</a:t>
             </a:fld>
             <a:endParaRPr lang="en-US"/>
           </a:p>
@@ -4063,7 +4063,7 @@
           <a:p>
             <a:fld id="{00A5D59F-6FC3-492C-BAE3-F50C9D1FBA31}" type="datetime1">
               <a:rPr lang="en-US" smtClean="0"/>
-              <a:t>1/6/2022</a:t>
+              <a:t>1/7/2022</a:t>
             </a:fld>
             <a:endParaRPr lang="en-US"/>
           </a:p>
@@ -4356,7 +4356,7 @@
           <a:p>
             <a:fld id="{CD78B45F-E474-4F2F-801A-58FC9FE22655}" type="datetime1">
               <a:rPr lang="en-US" smtClean="0"/>
-              <a:t>1/6/2022</a:t>
+              <a:t>1/7/2022</a:t>
             </a:fld>
             <a:endParaRPr lang="en-US"/>
           </a:p>
@@ -4630,7 +4630,7 @@
           <a:p>
             <a:fld id="{FDF35450-A835-4587-8F84-782057674F92}" type="datetime1">
               <a:rPr lang="en-US" smtClean="0"/>
-              <a:t>1/6/2022</a:t>
+              <a:t>1/7/2022</a:t>
             </a:fld>
             <a:endParaRPr lang="en-US"/>
           </a:p>
@@ -4752,17 +4752,17 @@
           </a:ln>
           <a:extLst>
             <a:ext uri="{FAA26D3D-D897-4be2-8F04-BA451C77F1D7}">
-              <ma14:placeholderFlag xmlns:ma14="http://schemas.microsoft.com/office/mac/drawingml/2011/main" xmlns="" val="1"/>
+              <ma14:placeholderFlag xmlns="" xmlns:ma14="http://schemas.microsoft.com/office/mac/drawingml/2011/main" val="1"/>
             </a:ext>
             <a:ext uri="{909E8E84-426E-40dd-AFC4-6F175D3DCCD1}">
-              <a14:hiddenFill xmlns:a14="http://schemas.microsoft.com/office/drawing/2010/main" xmlns="">
+              <a14:hiddenFill xmlns="" xmlns:a14="http://schemas.microsoft.com/office/drawing/2010/main">
                 <a:solidFill>
                   <a:srgbClr val="FFFFFF"/>
                 </a:solidFill>
               </a14:hiddenFill>
             </a:ext>
             <a:ext uri="{91240B29-F687-4f45-9708-019B960494DF}">
-              <a14:hiddenLine xmlns:a14="http://schemas.microsoft.com/office/drawing/2010/main" xmlns="" w="9525">
+              <a14:hiddenLine xmlns="" xmlns:a14="http://schemas.microsoft.com/office/drawing/2010/main" w="9525">
                 <a:solidFill>
                   <a:srgbClr val="000000"/>
                 </a:solidFill>
@@ -4814,17 +4814,17 @@
           </a:ln>
           <a:extLst>
             <a:ext uri="{FAA26D3D-D897-4be2-8F04-BA451C77F1D7}">
-              <ma14:placeholderFlag xmlns:ma14="http://schemas.microsoft.com/office/mac/drawingml/2011/main" xmlns="" val="1"/>
+              <ma14:placeholderFlag xmlns="" xmlns:ma14="http://schemas.microsoft.com/office/mac/drawingml/2011/main" val="1"/>
             </a:ext>
             <a:ext uri="{909E8E84-426E-40dd-AFC4-6F175D3DCCD1}">
-              <a14:hiddenFill xmlns:a14="http://schemas.microsoft.com/office/drawing/2010/main" xmlns="">
+              <a14:hiddenFill xmlns="" xmlns:a14="http://schemas.microsoft.com/office/drawing/2010/main">
                 <a:solidFill>
                   <a:srgbClr val="FFFFFF"/>
                 </a:solidFill>
               </a14:hiddenFill>
             </a:ext>
             <a:ext uri="{91240B29-F687-4f45-9708-019B960494DF}">
-              <a14:hiddenLine xmlns:a14="http://schemas.microsoft.com/office/drawing/2010/main" xmlns="" w="9525">
+              <a14:hiddenLine xmlns="" xmlns:a14="http://schemas.microsoft.com/office/drawing/2010/main" w="9525">
                 <a:solidFill>
                   <a:srgbClr val="000000"/>
                 </a:solidFill>
@@ -4924,7 +4924,7 @@
           <a:p>
             <a:fld id="{F6803E09-2A09-4EEA-8E99-292225B5EDFC}" type="datetime1">
               <a:rPr lang="en-US" smtClean="0"/>
-              <a:t>1/6/2022</a:t>
+              <a:t>1/7/2022</a:t>
             </a:fld>
             <a:endParaRPr lang="en-US"/>
           </a:p>
@@ -5092,7 +5092,7 @@
           </a:ln>
           <a:extLst>
             <a:ext uri="{909E8E84-426E-40dd-AFC4-6F175D3DCCD1}">
-              <a14:hiddenFill xmlns:a14="http://schemas.microsoft.com/office/drawing/2010/main" xmlns="">
+              <a14:hiddenFill xmlns="" xmlns:a14="http://schemas.microsoft.com/office/drawing/2010/main">
                 <a:solidFill>
                   <a:srgbClr val="FFFFFF"/>
                 </a:solidFill>
@@ -5135,7 +5135,7 @@
           </a:ln>
           <a:extLst>
             <a:ext uri="{909E8E84-426E-40dd-AFC4-6F175D3DCCD1}">
-              <a14:hiddenFill xmlns:a14="http://schemas.microsoft.com/office/drawing/2010/main" xmlns="">
+              <a14:hiddenFill xmlns="" xmlns:a14="http://schemas.microsoft.com/office/drawing/2010/main">
                 <a:noFill/>
               </a14:hiddenFill>
             </a:ext>
@@ -5686,17 +5686,17 @@
           </a:ln>
           <a:extLst>
             <a:ext uri="{FAA26D3D-D897-4be2-8F04-BA451C77F1D7}">
-              <ma14:placeholderFlag xmlns:ma14="http://schemas.microsoft.com/office/mac/drawingml/2011/main" xmlns="" val="1"/>
+              <ma14:placeholderFlag xmlns="" xmlns:ma14="http://schemas.microsoft.com/office/mac/drawingml/2011/main" val="1"/>
             </a:ext>
             <a:ext uri="{909E8E84-426E-40dd-AFC4-6F175D3DCCD1}">
-              <a14:hiddenFill xmlns:a14="http://schemas.microsoft.com/office/drawing/2010/main" xmlns="">
+              <a14:hiddenFill xmlns="" xmlns:a14="http://schemas.microsoft.com/office/drawing/2010/main">
                 <a:solidFill>
                   <a:srgbClr val="FFFFFF"/>
                 </a:solidFill>
               </a14:hiddenFill>
             </a:ext>
             <a:ext uri="{91240B29-F687-4f45-9708-019B960494DF}">
-              <a14:hiddenLine xmlns:a14="http://schemas.microsoft.com/office/drawing/2010/main" xmlns="" w="9525">
+              <a14:hiddenLine xmlns="" xmlns:a14="http://schemas.microsoft.com/office/drawing/2010/main" w="9525">
                 <a:solidFill>
                   <a:srgbClr val="000000"/>
                 </a:solidFill>
@@ -7978,7 +7978,7 @@
           <a:graphicData uri="http://schemas.openxmlformats.org/presentationml/2006/ole">
             <mc:AlternateContent xmlns:mc="http://schemas.openxmlformats.org/markup-compatibility/2006">
               <mc:Choice xmlns:v="urn:schemas-microsoft-com:vml" Requires="v">
-                <p:oleObj spid="_x0000_s3088" name="Equation" r:id="rId3" imgW="2209680" imgH="253800" progId="Equation.DSMT4">
+                <p:oleObj spid="_x0000_s3090" name="Equation" r:id="rId3" imgW="2209680" imgH="253800" progId="Equation.DSMT4">
                   <p:embed/>
                 </p:oleObj>
               </mc:Choice>
@@ -9893,7 +9893,7 @@
         </p:nvSpPr>
         <p:spPr>
           <a:xfrm>
-            <a:off x="628650" y="1204680"/>
+            <a:off x="628650" y="1231575"/>
             <a:ext cx="7886700" cy="1733586"/>
           </a:xfrm>
         </p:spPr>
@@ -10058,7 +10058,7 @@
         </p:blipFill>
         <p:spPr>
           <a:xfrm>
-            <a:off x="1289304" y="2998370"/>
+            <a:off x="1289304" y="2971475"/>
             <a:ext cx="5733292" cy="3185163"/>
           </a:xfrm>
           <a:prstGeom prst="rect">
@@ -10123,7 +10123,7 @@
           <a:graphicData uri="http://schemas.openxmlformats.org/presentationml/2006/ole">
             <mc:AlternateContent xmlns:mc="http://schemas.openxmlformats.org/markup-compatibility/2006">
               <mc:Choice xmlns:v="urn:schemas-microsoft-com:vml" Requires="v">
-                <p:oleObj spid="_x0000_s2087" name="Equation" r:id="rId4" imgW="2209680" imgH="253800" progId="Equation.DSMT4">
+                <p:oleObj spid="_x0000_s2089" name="Equation" r:id="rId4" imgW="2209680" imgH="253800" progId="Equation.DSMT4">
                   <p:embed/>
                 </p:oleObj>
               </mc:Choice>
@@ -10216,7 +10216,7 @@
         </p:blipFill>
         <p:spPr>
           <a:xfrm>
-            <a:off x="1289304" y="2859454"/>
+            <a:off x="1289304" y="2967034"/>
             <a:ext cx="5733292" cy="3185162"/>
           </a:xfrm>
           <a:prstGeom prst="rect">
@@ -10322,7 +10322,7 @@
         </p:nvSpPr>
         <p:spPr bwMode="auto">
           <a:xfrm>
-            <a:off x="628650" y="1125868"/>
+            <a:off x="628650" y="1224483"/>
             <a:ext cx="7886700" cy="1733586"/>
           </a:xfrm>
           <a:prstGeom prst="rect">
@@ -10334,17 +10334,17 @@
           </a:ln>
           <a:extLst>
             <a:ext uri="{FAA26D3D-D897-4be2-8F04-BA451C77F1D7}">
-              <ma14:placeholderFlag xmlns:ma14="http://schemas.microsoft.com/office/mac/drawingml/2011/main" xmlns="" val="1"/>
+              <ma14:placeholderFlag xmlns="" xmlns:ma14="http://schemas.microsoft.com/office/mac/drawingml/2011/main" val="1"/>
             </a:ext>
             <a:ext uri="{909E8E84-426E-40dd-AFC4-6F175D3DCCD1}">
-              <a14:hiddenFill xmlns:a14="http://schemas.microsoft.com/office/drawing/2010/main" xmlns="">
+              <a14:hiddenFill xmlns="" xmlns:a14="http://schemas.microsoft.com/office/drawing/2010/main">
                 <a:solidFill>
                   <a:srgbClr val="FFFFFF"/>
                 </a:solidFill>
               </a14:hiddenFill>
             </a:ext>
             <a:ext uri="{91240B29-F687-4f45-9708-019B960494DF}">
-              <a14:hiddenLine xmlns:a14="http://schemas.microsoft.com/office/drawing/2010/main" xmlns="" w="9525">
+              <a14:hiddenLine xmlns="" xmlns:a14="http://schemas.microsoft.com/office/drawing/2010/main" w="9525">
                 <a:solidFill>
                   <a:srgbClr val="000000"/>
                 </a:solidFill>
@@ -10739,7 +10739,7 @@
         </p:blipFill>
         <p:spPr>
           <a:xfrm>
-            <a:off x="1289305" y="2895599"/>
+            <a:off x="1289305" y="2967319"/>
             <a:ext cx="5733290" cy="3185162"/>
           </a:xfrm>
           <a:prstGeom prst="rect">
@@ -10792,7 +10792,7 @@
         </p:nvSpPr>
         <p:spPr bwMode="auto">
           <a:xfrm>
-            <a:off x="628650" y="1165485"/>
+            <a:off x="628650" y="1228240"/>
             <a:ext cx="7886700" cy="1733586"/>
           </a:xfrm>
           <a:prstGeom prst="rect">
@@ -10804,17 +10804,17 @@
           </a:ln>
           <a:extLst>
             <a:ext uri="{FAA26D3D-D897-4be2-8F04-BA451C77F1D7}">
-              <ma14:placeholderFlag xmlns:ma14="http://schemas.microsoft.com/office/mac/drawingml/2011/main" xmlns="" val="1"/>
+              <ma14:placeholderFlag xmlns="" xmlns:ma14="http://schemas.microsoft.com/office/mac/drawingml/2011/main" val="1"/>
             </a:ext>
             <a:ext uri="{909E8E84-426E-40dd-AFC4-6F175D3DCCD1}">
-              <a14:hiddenFill xmlns:a14="http://schemas.microsoft.com/office/drawing/2010/main" xmlns="">
+              <a14:hiddenFill xmlns="" xmlns:a14="http://schemas.microsoft.com/office/drawing/2010/main">
                 <a:solidFill>
                   <a:srgbClr val="FFFFFF"/>
                 </a:solidFill>
               </a14:hiddenFill>
             </a:ext>
             <a:ext uri="{91240B29-F687-4f45-9708-019B960494DF}">
-              <a14:hiddenLine xmlns:a14="http://schemas.microsoft.com/office/drawing/2010/main" xmlns="" w="9525">
+              <a14:hiddenLine xmlns="" xmlns:a14="http://schemas.microsoft.com/office/drawing/2010/main" w="9525">
                 <a:solidFill>
                   <a:srgbClr val="000000"/>
                 </a:solidFill>
